--- a/eu/ProgrammingLessons/advanced/ProportionalControl.pptx
+++ b/eu/ProgrammingLessons/advanced/ProportionalControl.pptx
@@ -221,7 +221,7 @@
             <a:fld id="{E354B44E-40A3-0E46-B16A-9BF1250A248B}" type="datetimeFigureOut">
               <a:rPr lang="en-US" smtClean="0"/>
               <a:pPr/>
-              <a:t>1/12/2019</a:t>
+              <a:t>9/11/22</a:t>
             </a:fld>
             <a:endParaRPr lang="en-US"/>
           </a:p>
@@ -288,7 +288,7 @@
             <a:fld id="{ACDF1604-CF25-2840-A4A3-96CDE3604995}" type="slidenum">
               <a:rPr lang="en-US" smtClean="0"/>
               <a:pPr/>
-              <a:t>‹Nº›</a:t>
+              <a:t>‹#›</a:t>
             </a:fld>
             <a:endParaRPr lang="en-US"/>
           </a:p>
@@ -389,7 +389,7 @@
             <a:fld id="{C86AD16C-2DB4-6642-BAD4-9ED973A087A0}" type="datetimeFigureOut">
               <a:rPr lang="en-US" smtClean="0"/>
               <a:pPr/>
-              <a:t>1/12/2019</a:t>
+              <a:t>9/11/22</a:t>
             </a:fld>
             <a:endParaRPr lang="en-US"/>
           </a:p>
@@ -548,7 +548,7 @@
             <a:fld id="{1E5BF589-3978-3C45-966B-D7B7A71F2A02}" type="slidenum">
               <a:rPr lang="en-US" smtClean="0"/>
               <a:pPr/>
-              <a:t>‹Nº›</a:t>
+              <a:t>‹#›</a:t>
             </a:fld>
             <a:endParaRPr lang="en-US"/>
           </a:p>
@@ -1036,7 +1036,7 @@
           <a:p>
             <a:fld id="{C0897EDC-4747-7A44-BE0A-096E57B14C38}" type="datetime1">
               <a:rPr lang="en-US" smtClean="0"/>
-              <a:t>1/12/2019</a:t>
+              <a:t>9/11/22</a:t>
             </a:fld>
             <a:endParaRPr lang="en-US"/>
           </a:p>
@@ -1083,7 +1083,7 @@
             <a:fld id="{7F5CE407-6216-4202-80E4-A30DC2F709B2}" type="slidenum">
               <a:rPr lang="en-US" smtClean="0"/>
               <a:pPr/>
-              <a:t>‹Nº›</a:t>
+              <a:t>‹#›</a:t>
             </a:fld>
             <a:endParaRPr lang="en-US"/>
           </a:p>
@@ -1583,7 +1583,7 @@
           <a:noFill/>
           <a:extLst>
             <a:ext uri="{909E8E84-426E-40dd-AFC4-6F175D3DCCD1}">
-              <a14:hiddenFill xmlns="" xmlns:a14="http://schemas.microsoft.com/office/drawing/2010/main">
+              <a14:hiddenFill xmlns:a14="http://schemas.microsoft.com/office/drawing/2010/main" xmlns="">
                 <a:solidFill>
                   <a:srgbClr val="FFFFFF"/>
                 </a:solidFill>
@@ -1628,7 +1628,6 @@
         </p:style>
       </p:cxnSp>
     </p:spTree>
-    <p:extLst/>
   </p:cSld>
   <p:clrMapOvr>
     <a:masterClrMapping/>
@@ -1726,7 +1725,7 @@
           <a:p>
             <a:fld id="{1905E2DE-85F8-7A41-977C-A05D7333E4FA}" type="datetime1">
               <a:rPr lang="en-US" smtClean="0"/>
-              <a:t>1/12/2019</a:t>
+              <a:t>9/11/22</a:t>
             </a:fld>
             <a:endParaRPr lang="en-US"/>
           </a:p>
@@ -1773,7 +1772,7 @@
             <a:fld id="{4382A7F7-08BF-4252-8141-63FB96055BBB}" type="slidenum">
               <a:rPr lang="en-US" smtClean="0"/>
               <a:pPr/>
-              <a:t>‹Nº›</a:t>
+              <a:t>‹#›</a:t>
             </a:fld>
             <a:endParaRPr lang="en-US"/>
           </a:p>
@@ -1955,7 +1954,6 @@
         </p:txBody>
       </p:sp>
     </p:spTree>
-    <p:extLst/>
   </p:cSld>
   <p:clrMapOvr>
     <a:masterClrMapping/>
@@ -2177,7 +2175,7 @@
           <a:p>
             <a:fld id="{EB16ADDF-F4F4-5E4A-AF2B-2AEB036E6735}" type="datetime1">
               <a:rPr lang="en-US" smtClean="0"/>
-              <a:t>1/12/2019</a:t>
+              <a:t>9/11/22</a:t>
             </a:fld>
             <a:endParaRPr lang="en-US" dirty="0"/>
           </a:p>
@@ -2232,14 +2230,13 @@
             <a:fld id="{4382A7F7-08BF-4252-8141-63FB96055BBB}" type="slidenum">
               <a:rPr lang="en-US" smtClean="0"/>
               <a:pPr/>
-              <a:t>‹Nº›</a:t>
+              <a:t>‹#›</a:t>
             </a:fld>
             <a:endParaRPr lang="en-US"/>
           </a:p>
         </p:txBody>
       </p:sp>
     </p:spTree>
-    <p:extLst/>
   </p:cSld>
   <p:clrMapOvr>
     <a:masterClrMapping/>
@@ -2631,7 +2628,7 @@
           <a:p>
             <a:fld id="{A4F7BEC7-E9C1-DC4A-A9B1-B8C3FCEA6358}" type="datetime1">
               <a:rPr lang="en-US" smtClean="0"/>
-              <a:t>1/12/2019</a:t>
+              <a:t>9/11/22</a:t>
             </a:fld>
             <a:endParaRPr lang="en-US"/>
           </a:p>
@@ -2655,7 +2652,7 @@
             <a:fld id="{4382A7F7-08BF-4252-8141-63FB96055BBB}" type="slidenum">
               <a:rPr lang="en-US" smtClean="0"/>
               <a:pPr/>
-              <a:t>‹Nº›</a:t>
+              <a:t>‹#›</a:t>
             </a:fld>
             <a:endParaRPr lang="en-US"/>
           </a:p>
@@ -2800,7 +2797,6 @@
         </p:txBody>
       </p:sp>
     </p:spTree>
-    <p:extLst/>
   </p:cSld>
   <p:clrMapOvr>
     <a:masterClrMapping/>
@@ -3345,7 +3341,7 @@
           <a:p>
             <a:fld id="{D6A7829C-0340-344F-ADF0-90143E4FA07F}" type="datetime1">
               <a:rPr lang="en-US" smtClean="0"/>
-              <a:t>1/12/2019</a:t>
+              <a:t>9/11/22</a:t>
             </a:fld>
             <a:endParaRPr lang="en-US"/>
           </a:p>
@@ -3392,14 +3388,13 @@
             <a:fld id="{4382A7F7-08BF-4252-8141-63FB96055BBB}" type="slidenum">
               <a:rPr lang="en-US" smtClean="0"/>
               <a:pPr/>
-              <a:t>‹Nº›</a:t>
+              <a:t>‹#›</a:t>
             </a:fld>
             <a:endParaRPr lang="en-US"/>
           </a:p>
         </p:txBody>
       </p:sp>
     </p:spTree>
-    <p:extLst/>
   </p:cSld>
   <p:clrMapOvr>
     <a:masterClrMapping/>
@@ -3616,7 +3611,7 @@
           <a:p>
             <a:fld id="{C65826CB-F49E-BE4B-96F1-62AA83A67B63}" type="datetime1">
               <a:rPr lang="en-US" smtClean="0"/>
-              <a:t>1/12/2019</a:t>
+              <a:t>9/11/22</a:t>
             </a:fld>
             <a:endParaRPr lang="en-US"/>
           </a:p>
@@ -3663,14 +3658,13 @@
             <a:fld id="{4382A7F7-08BF-4252-8141-63FB96055BBB}" type="slidenum">
               <a:rPr lang="en-US" smtClean="0"/>
               <a:pPr/>
-              <a:t>‹Nº›</a:t>
+              <a:t>‹#›</a:t>
             </a:fld>
             <a:endParaRPr lang="en-US"/>
           </a:p>
         </p:txBody>
       </p:sp>
     </p:spTree>
-    <p:extLst/>
   </p:cSld>
   <p:clrMapOvr>
     <a:masterClrMapping/>
@@ -3926,7 +3920,7 @@
           <a:p>
             <a:fld id="{0D9D6FCE-5A01-3541-AFDA-3139710E0A18}" type="datetime1">
               <a:rPr lang="en-US" smtClean="0"/>
-              <a:t>1/12/2019</a:t>
+              <a:t>9/11/22</a:t>
             </a:fld>
             <a:endParaRPr lang="en-US"/>
           </a:p>
@@ -3973,7 +3967,7 @@
             <a:fld id="{4382A7F7-08BF-4252-8141-63FB96055BBB}" type="slidenum">
               <a:rPr lang="en-US" smtClean="0"/>
               <a:pPr/>
-              <a:t>‹Nº›</a:t>
+              <a:t>‹#›</a:t>
             </a:fld>
             <a:endParaRPr lang="en-US"/>
           </a:p>
@@ -4002,7 +3996,6 @@
         </p:txBody>
       </p:sp>
     </p:spTree>
-    <p:extLst/>
   </p:cSld>
   <p:clrMapOvr>
     <a:masterClrMapping/>
@@ -4143,7 +4136,7 @@
           <a:p>
             <a:fld id="{7BF03695-FEE8-E742-91C0-9B856B77A230}" type="datetime1">
               <a:rPr lang="en-US" smtClean="0"/>
-              <a:t>1/12/2019</a:t>
+              <a:t>9/11/22</a:t>
             </a:fld>
             <a:endParaRPr lang="en-US"/>
           </a:p>
@@ -4195,7 +4188,7 @@
             <a:fld id="{4382A7F7-08BF-4252-8141-63FB96055BBB}" type="slidenum">
               <a:rPr lang="en-US" smtClean="0"/>
               <a:pPr/>
-              <a:t>‹Nº›</a:t>
+              <a:t>‹#›</a:t>
             </a:fld>
             <a:endParaRPr lang="en-US"/>
           </a:p>
@@ -4355,7 +4348,6 @@
         </p:sp>
       </p:grpSp>
     </p:spTree>
-    <p:extLst/>
   </p:cSld>
   <p:clrMapOvr>
     <a:masterClrMapping/>
@@ -4419,7 +4411,7 @@
           <a:p>
             <a:fld id="{EB16ADDF-F4F4-5E4A-AF2B-2AEB036E6735}" type="datetime1">
               <a:rPr lang="en-US" smtClean="0"/>
-              <a:t>1/12/2019</a:t>
+              <a:t>9/11/22</a:t>
             </a:fld>
             <a:endParaRPr lang="en-US" dirty="0"/>
           </a:p>
@@ -4466,7 +4458,7 @@
             <a:fld id="{4382A7F7-08BF-4252-8141-63FB96055BBB}" type="slidenum">
               <a:rPr lang="en-US" smtClean="0"/>
               <a:pPr/>
-              <a:t>‹Nº›</a:t>
+              <a:t>‹#›</a:t>
             </a:fld>
             <a:endParaRPr lang="en-US"/>
           </a:p>
@@ -4529,7 +4521,6 @@
         </p:txBody>
       </p:sp>
     </p:spTree>
-    <p:extLst/>
   </p:cSld>
   <p:clrMapOvr>
     <a:masterClrMapping/>
@@ -4660,7 +4651,7 @@
           <a:p>
             <a:fld id="{EB16ADDF-F4F4-5E4A-AF2B-2AEB036E6735}" type="datetime1">
               <a:rPr lang="en-US" smtClean="0"/>
-              <a:t>1/12/2019</a:t>
+              <a:t>9/11/22</a:t>
             </a:fld>
             <a:endParaRPr lang="en-US" dirty="0"/>
           </a:p>
@@ -4782,7 +4773,7 @@
             <a:fld id="{4382A7F7-08BF-4252-8141-63FB96055BBB}" type="slidenum">
               <a:rPr lang="en-US" smtClean="0"/>
               <a:pPr/>
-              <a:t>‹Nº›</a:t>
+              <a:t>‹#›</a:t>
             </a:fld>
             <a:endParaRPr lang="en-US"/>
           </a:p>
@@ -5401,32 +5392,32 @@
               </a:buClr>
             </a:pPr>
             <a:r>
-              <a:rPr lang="es-ES" dirty="0" err="1"/>
-              <a:t>Itzulpena</a:t>
-            </a:r>
-            <a:r>
-              <a:rPr lang="es-ES" dirty="0"/>
-              <a:t> </a:t>
-            </a:r>
-            <a:r>
-              <a:rPr lang="es-ES" dirty="0" err="1"/>
-              <a:t>Edurobotic-ek</a:t>
-            </a:r>
-            <a:r>
-              <a:rPr lang="es-ES" dirty="0"/>
-              <a:t> </a:t>
-            </a:r>
-            <a:r>
-              <a:rPr lang="es-ES" dirty="0" err="1"/>
-              <a:t>egin</a:t>
-            </a:r>
-            <a:r>
-              <a:rPr lang="es-ES" dirty="0"/>
-              <a:t> </a:t>
-            </a:r>
-            <a:r>
-              <a:rPr lang="es-ES" dirty="0" err="1"/>
-              <a:t>zuen</a:t>
+              <a:rPr lang="es-ES"/>
+              <a:t>Gai</a:t>
+            </a:r>
+            <a:r>
+              <a:rPr lang="es-ES" dirty="0"/>
+              <a:t> </a:t>
+            </a:r>
+            <a:r>
+              <a:rPr lang="es-ES" dirty="0" err="1"/>
+              <a:t>gehiagotarako</a:t>
+            </a:r>
+            <a:r>
+              <a:rPr lang="es-ES" dirty="0"/>
+              <a:t> </a:t>
+            </a:r>
+            <a:r>
+              <a:rPr lang="es-ES" dirty="0" err="1"/>
+              <a:t>begira</a:t>
+            </a:r>
+            <a:r>
+              <a:rPr lang="es-ES" dirty="0"/>
+              <a:t> </a:t>
+            </a:r>
+            <a:r>
+              <a:rPr lang="es-ES" dirty="0" err="1"/>
+              <a:t>ezazu</a:t>
             </a:r>
             <a:r>
               <a:rPr lang="es-ES" dirty="0"/>
@@ -5435,84 +5426,6 @@
             <a:r>
               <a:rPr lang="es-ES" dirty="0">
                 <a:hlinkClick r:id="rId3"/>
-              </a:rPr>
-              <a:t>www.edurobotic.es</a:t>
-            </a:r>
-            <a:r>
-              <a:rPr lang="es-ES" dirty="0"/>
-              <a:t> (</a:t>
-            </a:r>
-            <a:r>
-              <a:rPr lang="es-ES" dirty="0" err="1"/>
-              <a:t>Anartz</a:t>
-            </a:r>
-            <a:r>
-              <a:rPr lang="es-ES" dirty="0"/>
-              <a:t> San Juan </a:t>
-            </a:r>
-            <a:r>
-              <a:rPr lang="es-ES" dirty="0" err="1"/>
-              <a:t>taldekideak</a:t>
-            </a:r>
-            <a:r>
-              <a:rPr lang="es-ES" dirty="0"/>
-              <a:t> hain </a:t>
-            </a:r>
-            <a:r>
-              <a:rPr lang="es-ES" dirty="0" err="1"/>
-              <a:t>zuzen</a:t>
-            </a:r>
-            <a:r>
-              <a:rPr lang="es-ES" dirty="0"/>
-              <a:t>).</a:t>
-            </a:r>
-          </a:p>
-          <a:p>
-            <a:pPr marL="454025" lvl="1" indent="-454025">
-              <a:spcBef>
-                <a:spcPts val="2000"/>
-              </a:spcBef>
-              <a:buClr>
-                <a:schemeClr val="bg1">
-                  <a:lumMod val="65000"/>
-                </a:schemeClr>
-              </a:buClr>
-            </a:pPr>
-            <a:r>
-              <a:rPr lang="es-ES" dirty="0" err="1"/>
-              <a:t>Gai</a:t>
-            </a:r>
-            <a:r>
-              <a:rPr lang="es-ES" dirty="0"/>
-              <a:t> </a:t>
-            </a:r>
-            <a:r>
-              <a:rPr lang="es-ES" dirty="0" err="1"/>
-              <a:t>gehiagotarako</a:t>
-            </a:r>
-            <a:r>
-              <a:rPr lang="es-ES" dirty="0"/>
-              <a:t> </a:t>
-            </a:r>
-            <a:r>
-              <a:rPr lang="es-ES" dirty="0" err="1"/>
-              <a:t>begira</a:t>
-            </a:r>
-            <a:r>
-              <a:rPr lang="es-ES" dirty="0"/>
-              <a:t> </a:t>
-            </a:r>
-            <a:r>
-              <a:rPr lang="es-ES" dirty="0" err="1"/>
-              <a:t>ezazu</a:t>
-            </a:r>
-            <a:r>
-              <a:rPr lang="es-ES" dirty="0"/>
-              <a:t> </a:t>
-            </a:r>
-            <a:r>
-              <a:rPr lang="es-ES" dirty="0">
-                <a:hlinkClick r:id="rId4"/>
               </a:rPr>
               <a:t>www.ev3lessons.com</a:t>
             </a:r>
@@ -5640,7 +5553,7 @@
           <a:effectLst/>
           <a:extLst>
             <a:ext uri="{91240B29-F687-4f45-9708-019B960494DF}">
-              <a14:hiddenLine xmlns:a14="http://schemas.microsoft.com/office/drawing/2010/main" xmlns="" w="9525">
+              <a14:hiddenLine xmlns="" xmlns:a14="http://schemas.microsoft.com/office/drawing/2010/main" w="9525">
                 <a:solidFill>
                   <a:schemeClr val="tx1"/>
                 </a:solidFill>
@@ -5650,7 +5563,7 @@
               </a14:hiddenLine>
             </a:ext>
             <a:ext uri="{AF507438-7753-43e0-B8FC-AC1667EBCBE1}">
-              <a14:hiddenEffects xmlns:a14="http://schemas.microsoft.com/office/drawing/2010/main" xmlns="">
+              <a14:hiddenEffects xmlns="" xmlns:a14="http://schemas.microsoft.com/office/drawing/2010/main">
                 <a:effectLst>
                   <a:outerShdw dist="35921" dir="2700000" algn="ctr" rotWithShape="0">
                     <a:schemeClr val="bg2"/>
@@ -5871,7 +5784,7 @@
                 </a:solidFill>
                 <a:effectLst/>
                 <a:latin typeface="Helvetica Neue"/>
-                <a:hlinkClick r:id="rId5"/>
+                <a:hlinkClick r:id="rId4"/>
               </a:rPr>
               <a:t>Creative Commons Attribution-</a:t>
             </a:r>
@@ -5885,7 +5798,7 @@
                 </a:solidFill>
                 <a:effectLst/>
                 <a:latin typeface="Helvetica Neue"/>
-                <a:hlinkClick r:id="rId5"/>
+                <a:hlinkClick r:id="rId4"/>
               </a:rPr>
               <a:t>NonCommercial</a:t>
             </a:r>
@@ -5899,7 +5812,7 @@
                 </a:solidFill>
                 <a:effectLst/>
                 <a:latin typeface="Helvetica Neue"/>
-                <a:hlinkClick r:id="rId5"/>
+                <a:hlinkClick r:id="rId4"/>
               </a:rPr>
               <a:t>-</a:t>
             </a:r>
@@ -5913,7 +5826,7 @@
                 </a:solidFill>
                 <a:effectLst/>
                 <a:latin typeface="Helvetica Neue"/>
-                <a:hlinkClick r:id="rId5"/>
+                <a:hlinkClick r:id="rId4"/>
               </a:rPr>
               <a:t>ShareAlike</a:t>
             </a:r>
@@ -5927,7 +5840,7 @@
                 </a:solidFill>
                 <a:effectLst/>
                 <a:latin typeface="Helvetica Neue"/>
-                <a:hlinkClick r:id="rId5"/>
+                <a:hlinkClick r:id="rId4"/>
               </a:rPr>
               <a:t> 4.0 International License</a:t>
             </a:r>
@@ -5992,7 +5905,7 @@
       <p:pic>
         <p:nvPicPr>
           <p:cNvPr id="6" name="Picture 2" descr="Creative Commons License">
-            <a:hlinkClick r:id="rId5"/>
+            <a:hlinkClick r:id="rId4"/>
           </p:cNvPr>
           <p:cNvPicPr>
             <a:picLocks noChangeAspect="1" noChangeArrowheads="1"/>
@@ -6000,7 +5913,7 @@
           <p:nvPr/>
         </p:nvPicPr>
         <p:blipFill>
-          <a:blip r:embed="rId6" cstate="print">
+          <a:blip r:embed="rId5" cstate="print">
             <a:extLst>
               <a:ext uri="{28A0092B-C50C-407E-A947-70E740481C1C}">
                 <a14:useLocalDpi xmlns:a14="http://schemas.microsoft.com/office/drawing/2010/main" val="0"/>
@@ -6023,7 +5936,7 @@
           <a:noFill/>
           <a:extLst>
             <a:ext uri="{909E8E84-426E-40dd-AFC4-6F175D3DCCD1}">
-              <a14:hiddenFill xmlns:a14="http://schemas.microsoft.com/office/drawing/2010/main" xmlns="">
+              <a14:hiddenFill xmlns="" xmlns:a14="http://schemas.microsoft.com/office/drawing/2010/main">
                 <a:solidFill>
                   <a:srgbClr val="FFFFFF"/>
                 </a:solidFill>
